--- a/Population_Presentation.pptx
+++ b/Population_Presentation.pptx
@@ -16894,103 +16894,6 @@
           </a:p>
         </p:txBody>
       </p:sp>
-      <p:sp>
-        <p:nvSpPr>
-          <p:cNvPr id="312" name=""/>
-          <p:cNvSpPr/>
-          <p:nvPr/>
-        </p:nvSpPr>
-        <p:spPr>
-          <a:xfrm>
-            <a:off x="628560" y="4426920"/>
-            <a:ext cx="4132080" cy="601920"/>
-          </a:xfrm>
-          <a:prstGeom prst="rect">
-            <a:avLst/>
-          </a:prstGeom>
-          <a:noFill/>
-          <a:ln w="0">
-            <a:noFill/>
-          </a:ln>
-        </p:spPr>
-        <p:style>
-          <a:lnRef idx="0"/>
-          <a:fillRef idx="0"/>
-          <a:effectRef idx="0"/>
-          <a:fontRef idx="minor"/>
-        </p:style>
-        <p:txBody>
-          <a:bodyPr lIns="90000" rIns="90000" tIns="45000" bIns="45000" anchor="t">
-            <a:noAutofit/>
-          </a:bodyPr>
-          <a:p>
-            <a:pPr>
-              <a:lnSpc>
-                <a:spcPct val="100000"/>
-              </a:lnSpc>
-            </a:pPr>
-            <a:r>
-              <a:rPr b="0" lang="en-US" sz="1200" spc="-1" strike="noStrike">
-                <a:solidFill>
-                  <a:srgbClr val="000000"/>
-                </a:solidFill>
-                <a:latin typeface="Arial"/>
-              </a:rPr>
-              <a:t>*Disclaimer: this presentation assumes that no one </a:t>
-            </a:r>
-            <a:endParaRPr b="0" lang="en-US" sz="1200" spc="-1" strike="noStrike">
-              <a:solidFill>
-                <a:srgbClr val="000000"/>
-              </a:solidFill>
-              <a:latin typeface="Arial"/>
-            </a:endParaRPr>
-          </a:p>
-          <a:p>
-            <a:pPr>
-              <a:lnSpc>
-                <a:spcPct val="100000"/>
-              </a:lnSpc>
-            </a:pPr>
-            <a:r>
-              <a:rPr b="0" lang="en-US" sz="1200" spc="-1" strike="noStrike">
-                <a:solidFill>
-                  <a:srgbClr val="000000"/>
-                </a:solidFill>
-                <a:latin typeface="Arial"/>
-              </a:rPr>
-              <a:t>present today is attending with the genuine expectation of </a:t>
-            </a:r>
-            <a:endParaRPr b="0" lang="en-US" sz="1200" spc="-1" strike="noStrike">
-              <a:solidFill>
-                <a:srgbClr val="000000"/>
-              </a:solidFill>
-              <a:latin typeface="Arial"/>
-            </a:endParaRPr>
-          </a:p>
-          <a:p>
-            <a:pPr>
-              <a:lnSpc>
-                <a:spcPct val="100000"/>
-              </a:lnSpc>
-            </a:pPr>
-            <a:r>
-              <a:rPr b="0" lang="en-US" sz="1200" spc="-1" strike="noStrike">
-                <a:solidFill>
-                  <a:srgbClr val="000000"/>
-                </a:solidFill>
-                <a:latin typeface="Arial"/>
-              </a:rPr>
-              <a:t>garnering insights based on state population data… enjoy!</a:t>
-            </a:r>
-            <a:endParaRPr b="0" lang="en-US" sz="1200" spc="-1" strike="noStrike">
-              <a:solidFill>
-                <a:srgbClr val="000000"/>
-              </a:solidFill>
-              <a:latin typeface="Arial"/>
-            </a:endParaRPr>
-          </a:p>
-        </p:txBody>
-      </p:sp>
     </p:spTree>
   </p:cSld>
   <mc:AlternateContent>
@@ -17023,7 +16926,7 @@
       </p:grpSpPr>
       <p:sp>
         <p:nvSpPr>
-          <p:cNvPr id="313" name=""/>
+          <p:cNvPr id="312" name=""/>
           <p:cNvSpPr/>
           <p:nvPr/>
         </p:nvSpPr>
@@ -17110,7 +17013,7 @@
       </p:sp>
       <p:sp>
         <p:nvSpPr>
-          <p:cNvPr id="314" name=""/>
+          <p:cNvPr id="313" name=""/>
           <p:cNvSpPr/>
           <p:nvPr/>
         </p:nvSpPr>
@@ -17163,7 +17066,7 @@
       </p:sp>
       <p:sp>
         <p:nvSpPr>
-          <p:cNvPr id="315" name=""/>
+          <p:cNvPr id="314" name=""/>
           <p:cNvSpPr/>
           <p:nvPr/>
         </p:nvSpPr>
@@ -17268,7 +17171,7 @@
       </p:sp>
       <p:sp>
         <p:nvSpPr>
-          <p:cNvPr id="316" name=""/>
+          <p:cNvPr id="315" name=""/>
           <p:cNvSpPr/>
           <p:nvPr/>
         </p:nvSpPr>
@@ -17321,7 +17224,7 @@
       </p:sp>
       <p:sp>
         <p:nvSpPr>
-          <p:cNvPr id="317" name=""/>
+          <p:cNvPr id="316" name=""/>
           <p:cNvSpPr/>
           <p:nvPr/>
         </p:nvSpPr>
@@ -17408,7 +17311,7 @@
       </p:sp>
       <p:sp>
         <p:nvSpPr>
-          <p:cNvPr id="318" name=""/>
+          <p:cNvPr id="317" name=""/>
           <p:cNvSpPr/>
           <p:nvPr/>
         </p:nvSpPr>
@@ -17461,7 +17364,7 @@
       </p:sp>
       <p:sp>
         <p:nvSpPr>
-          <p:cNvPr id="319" name=""/>
+          <p:cNvPr id="318" name=""/>
           <p:cNvSpPr/>
           <p:nvPr/>
         </p:nvSpPr>
@@ -17548,7 +17451,7 @@
       </p:sp>
       <p:sp>
         <p:nvSpPr>
-          <p:cNvPr id="320" name=""/>
+          <p:cNvPr id="319" name=""/>
           <p:cNvSpPr/>
           <p:nvPr/>
         </p:nvSpPr>
@@ -17601,7 +17504,7 @@
       </p:sp>
       <p:sp>
         <p:nvSpPr>
-          <p:cNvPr id="321" name=""/>
+          <p:cNvPr id="320" name=""/>
           <p:cNvSpPr/>
           <p:nvPr/>
         </p:nvSpPr>
@@ -17688,7 +17591,7 @@
       </p:sp>
       <p:sp>
         <p:nvSpPr>
-          <p:cNvPr id="322" name=""/>
+          <p:cNvPr id="321" name=""/>
           <p:cNvSpPr/>
           <p:nvPr/>
         </p:nvSpPr>
@@ -17741,7 +17644,7 @@
       </p:sp>
       <p:sp>
         <p:nvSpPr>
-          <p:cNvPr id="323" name=""/>
+          <p:cNvPr id="322" name=""/>
           <p:cNvSpPr/>
           <p:nvPr/>
         </p:nvSpPr>
@@ -17795,7 +17698,7 @@
       </p:sp>
       <p:sp>
         <p:nvSpPr>
-          <p:cNvPr id="324" name=""/>
+          <p:cNvPr id="323" name=""/>
           <p:cNvSpPr/>
           <p:nvPr/>
         </p:nvSpPr>
@@ -17877,7 +17780,7 @@
       </p:grpSpPr>
       <p:sp>
         <p:nvSpPr>
-          <p:cNvPr id="325" name=""/>
+          <p:cNvPr id="324" name=""/>
           <p:cNvSpPr/>
           <p:nvPr/>
         </p:nvSpPr>
@@ -17973,7 +17876,7 @@
       </p:sp>
       <p:sp>
         <p:nvSpPr>
-          <p:cNvPr id="326" name=""/>
+          <p:cNvPr id="325" name=""/>
           <p:cNvSpPr/>
           <p:nvPr/>
         </p:nvSpPr>
@@ -18026,7 +17929,7 @@
       </p:sp>
       <p:sp>
         <p:nvSpPr>
-          <p:cNvPr id="327" name=""/>
+          <p:cNvPr id="326" name=""/>
           <p:cNvSpPr/>
           <p:nvPr/>
         </p:nvSpPr>
@@ -18113,7 +18016,7 @@
       </p:sp>
       <p:sp>
         <p:nvSpPr>
-          <p:cNvPr id="328" name=""/>
+          <p:cNvPr id="327" name=""/>
           <p:cNvSpPr/>
           <p:nvPr/>
         </p:nvSpPr>
@@ -18166,7 +18069,7 @@
       </p:sp>
       <p:sp>
         <p:nvSpPr>
-          <p:cNvPr id="329" name=""/>
+          <p:cNvPr id="328" name=""/>
           <p:cNvSpPr/>
           <p:nvPr/>
         </p:nvSpPr>
@@ -18253,7 +18156,7 @@
       </p:sp>
       <p:sp>
         <p:nvSpPr>
-          <p:cNvPr id="330" name=""/>
+          <p:cNvPr id="329" name=""/>
           <p:cNvSpPr/>
           <p:nvPr/>
         </p:nvSpPr>
@@ -18306,7 +18209,7 @@
       </p:sp>
       <p:sp>
         <p:nvSpPr>
-          <p:cNvPr id="331" name=""/>
+          <p:cNvPr id="330" name=""/>
           <p:cNvSpPr/>
           <p:nvPr/>
         </p:nvSpPr>
@@ -18393,7 +18296,7 @@
       </p:sp>
       <p:sp>
         <p:nvSpPr>
-          <p:cNvPr id="332" name=""/>
+          <p:cNvPr id="331" name=""/>
           <p:cNvSpPr/>
           <p:nvPr/>
         </p:nvSpPr>
@@ -18446,7 +18349,7 @@
       </p:sp>
       <p:sp>
         <p:nvSpPr>
-          <p:cNvPr id="333" name=""/>
+          <p:cNvPr id="332" name=""/>
           <p:cNvSpPr/>
           <p:nvPr/>
         </p:nvSpPr>
@@ -18505,7 +18408,7 @@
       </p:sp>
       <p:sp>
         <p:nvSpPr>
-          <p:cNvPr id="334" name=""/>
+          <p:cNvPr id="333" name=""/>
           <p:cNvSpPr/>
           <p:nvPr/>
         </p:nvSpPr>
@@ -18558,7 +18461,7 @@
       </p:sp>
       <p:sp>
         <p:nvSpPr>
-          <p:cNvPr id="335" name=""/>
+          <p:cNvPr id="334" name=""/>
           <p:cNvSpPr/>
           <p:nvPr/>
         </p:nvSpPr>
@@ -18612,7 +18515,7 @@
       </p:sp>
       <p:sp>
         <p:nvSpPr>
-          <p:cNvPr id="336" name=""/>
+          <p:cNvPr id="335" name=""/>
           <p:cNvSpPr/>
           <p:nvPr/>
         </p:nvSpPr>
@@ -18694,7 +18597,7 @@
       </p:grpSpPr>
       <p:sp>
         <p:nvSpPr>
-          <p:cNvPr id="337" name=""/>
+          <p:cNvPr id="336" name=""/>
           <p:cNvSpPr/>
           <p:nvPr/>
         </p:nvSpPr>
@@ -18747,7 +18650,7 @@
       </p:sp>
       <p:sp>
         <p:nvSpPr>
-          <p:cNvPr id="338" name=""/>
+          <p:cNvPr id="337" name=""/>
           <p:cNvSpPr/>
           <p:nvPr/>
         </p:nvSpPr>
@@ -18800,7 +18703,7 @@
       </p:sp>
       <p:sp>
         <p:nvSpPr>
-          <p:cNvPr id="339" name=""/>
+          <p:cNvPr id="338" name=""/>
           <p:cNvSpPr/>
           <p:nvPr/>
         </p:nvSpPr>
@@ -18853,7 +18756,7 @@
       </p:sp>
       <p:sp>
         <p:nvSpPr>
-          <p:cNvPr id="340" name=""/>
+          <p:cNvPr id="339" name=""/>
           <p:cNvSpPr/>
           <p:nvPr/>
         </p:nvSpPr>
@@ -18906,7 +18809,7 @@
       </p:sp>
       <p:sp>
         <p:nvSpPr>
-          <p:cNvPr id="341" name=""/>
+          <p:cNvPr id="340" name=""/>
           <p:cNvSpPr/>
           <p:nvPr/>
         </p:nvSpPr>
@@ -18959,7 +18862,7 @@
       </p:sp>
       <p:sp>
         <p:nvSpPr>
-          <p:cNvPr id="342" name=""/>
+          <p:cNvPr id="341" name=""/>
           <p:cNvSpPr/>
           <p:nvPr/>
         </p:nvSpPr>
@@ -19012,7 +18915,7 @@
       </p:sp>
       <p:sp>
         <p:nvSpPr>
-          <p:cNvPr id="343" name=""/>
+          <p:cNvPr id="342" name=""/>
           <p:cNvSpPr/>
           <p:nvPr/>
         </p:nvSpPr>
@@ -19065,7 +18968,7 @@
       </p:sp>
       <p:sp>
         <p:nvSpPr>
-          <p:cNvPr id="344" name=""/>
+          <p:cNvPr id="343" name=""/>
           <p:cNvSpPr/>
           <p:nvPr/>
         </p:nvSpPr>
@@ -19118,7 +19021,7 @@
       </p:sp>
       <p:sp>
         <p:nvSpPr>
-          <p:cNvPr id="345" name=""/>
+          <p:cNvPr id="344" name=""/>
           <p:cNvSpPr/>
           <p:nvPr/>
         </p:nvSpPr>
@@ -19171,7 +19074,7 @@
       </p:sp>
       <p:sp>
         <p:nvSpPr>
-          <p:cNvPr id="346" name=""/>
+          <p:cNvPr id="345" name=""/>
           <p:cNvSpPr/>
           <p:nvPr/>
         </p:nvSpPr>
@@ -19224,7 +19127,7 @@
       </p:sp>
       <p:sp>
         <p:nvSpPr>
-          <p:cNvPr id="347" name=""/>
+          <p:cNvPr id="346" name=""/>
           <p:cNvSpPr/>
           <p:nvPr/>
         </p:nvSpPr>
@@ -19277,7 +19180,7 @@
       </p:sp>
       <p:sp>
         <p:nvSpPr>
-          <p:cNvPr id="348" name=""/>
+          <p:cNvPr id="347" name=""/>
           <p:cNvSpPr/>
           <p:nvPr/>
         </p:nvSpPr>
@@ -19330,7 +19233,7 @@
       </p:sp>
       <p:sp>
         <p:nvSpPr>
-          <p:cNvPr id="349" name=""/>
+          <p:cNvPr id="348" name=""/>
           <p:cNvSpPr/>
           <p:nvPr/>
         </p:nvSpPr>
@@ -19414,7 +19317,7 @@
       </p:grpSpPr>
       <p:sp>
         <p:nvSpPr>
-          <p:cNvPr id="350" name=""/>
+          <p:cNvPr id="349" name=""/>
           <p:cNvSpPr/>
           <p:nvPr/>
         </p:nvSpPr>
@@ -19467,7 +19370,7 @@
       </p:sp>
       <p:sp>
         <p:nvSpPr>
-          <p:cNvPr id="351" name=""/>
+          <p:cNvPr id="350" name=""/>
           <p:cNvSpPr/>
           <p:nvPr/>
         </p:nvSpPr>
@@ -19520,7 +19423,7 @@
       </p:sp>
       <p:sp>
         <p:nvSpPr>
-          <p:cNvPr id="352" name=""/>
+          <p:cNvPr id="351" name=""/>
           <p:cNvSpPr/>
           <p:nvPr/>
         </p:nvSpPr>
@@ -19573,7 +19476,7 @@
       </p:sp>
       <p:sp>
         <p:nvSpPr>
-          <p:cNvPr id="353" name=""/>
+          <p:cNvPr id="352" name=""/>
           <p:cNvSpPr/>
           <p:nvPr/>
         </p:nvSpPr>
@@ -19626,7 +19529,7 @@
       </p:sp>
       <p:sp>
         <p:nvSpPr>
-          <p:cNvPr id="354" name=""/>
+          <p:cNvPr id="353" name=""/>
           <p:cNvSpPr/>
           <p:nvPr/>
         </p:nvSpPr>
@@ -19679,7 +19582,7 @@
       </p:sp>
       <p:sp>
         <p:nvSpPr>
-          <p:cNvPr id="355" name=""/>
+          <p:cNvPr id="354" name=""/>
           <p:cNvSpPr/>
           <p:nvPr/>
         </p:nvSpPr>
@@ -19732,7 +19635,7 @@
       </p:sp>
       <p:sp>
         <p:nvSpPr>
-          <p:cNvPr id="356" name=""/>
+          <p:cNvPr id="355" name=""/>
           <p:cNvSpPr/>
           <p:nvPr/>
         </p:nvSpPr>
@@ -19785,7 +19688,7 @@
       </p:sp>
       <p:sp>
         <p:nvSpPr>
-          <p:cNvPr id="357" name=""/>
+          <p:cNvPr id="356" name=""/>
           <p:cNvSpPr/>
           <p:nvPr/>
         </p:nvSpPr>
@@ -19838,7 +19741,7 @@
       </p:sp>
       <p:sp>
         <p:nvSpPr>
-          <p:cNvPr id="358" name=""/>
+          <p:cNvPr id="357" name=""/>
           <p:cNvSpPr/>
           <p:nvPr/>
         </p:nvSpPr>
@@ -19891,7 +19794,7 @@
       </p:sp>
       <p:sp>
         <p:nvSpPr>
-          <p:cNvPr id="359" name=""/>
+          <p:cNvPr id="358" name=""/>
           <p:cNvSpPr/>
           <p:nvPr/>
         </p:nvSpPr>
@@ -19944,7 +19847,7 @@
       </p:sp>
       <p:sp>
         <p:nvSpPr>
-          <p:cNvPr id="360" name=""/>
+          <p:cNvPr id="359" name=""/>
           <p:cNvSpPr/>
           <p:nvPr/>
         </p:nvSpPr>
@@ -19997,7 +19900,7 @@
       </p:sp>
       <p:sp>
         <p:nvSpPr>
-          <p:cNvPr id="361" name=""/>
+          <p:cNvPr id="360" name=""/>
           <p:cNvSpPr/>
           <p:nvPr/>
         </p:nvSpPr>
@@ -20050,7 +19953,7 @@
       </p:sp>
       <p:sp>
         <p:nvSpPr>
-          <p:cNvPr id="362" name=""/>
+          <p:cNvPr id="361" name=""/>
           <p:cNvSpPr/>
           <p:nvPr/>
         </p:nvSpPr>
@@ -20134,7 +20037,7 @@
       </p:grpSpPr>
       <p:sp>
         <p:nvSpPr>
-          <p:cNvPr id="363" name=""/>
+          <p:cNvPr id="362" name=""/>
           <p:cNvSpPr/>
           <p:nvPr/>
         </p:nvSpPr>
@@ -20221,7 +20124,7 @@
       </p:sp>
       <p:sp>
         <p:nvSpPr>
-          <p:cNvPr id="364" name=""/>
+          <p:cNvPr id="363" name=""/>
           <p:cNvSpPr/>
           <p:nvPr/>
         </p:nvSpPr>
@@ -20274,7 +20177,7 @@
       </p:sp>
       <p:sp>
         <p:nvSpPr>
-          <p:cNvPr id="365" name=""/>
+          <p:cNvPr id="364" name=""/>
           <p:cNvSpPr/>
           <p:nvPr/>
         </p:nvSpPr>
@@ -20327,7 +20230,7 @@
       </p:sp>
       <p:sp>
         <p:nvSpPr>
-          <p:cNvPr id="366" name=""/>
+          <p:cNvPr id="365" name=""/>
           <p:cNvSpPr/>
           <p:nvPr/>
         </p:nvSpPr>
@@ -20411,7 +20314,7 @@
       </p:sp>
       <p:sp>
         <p:nvSpPr>
-          <p:cNvPr id="367" name=""/>
+          <p:cNvPr id="366" name=""/>
           <p:cNvSpPr/>
           <p:nvPr/>
         </p:nvSpPr>
@@ -20493,7 +20396,7 @@
       </p:sp>
       <p:sp>
         <p:nvSpPr>
-          <p:cNvPr id="368" name=""/>
+          <p:cNvPr id="367" name=""/>
           <p:cNvSpPr/>
           <p:nvPr/>
         </p:nvSpPr>
